--- a/ppt/presentation.pptx
+++ b/ppt/presentation.pptx
@@ -47035,7 +47035,7 @@
                 <a:cs typeface="Nanum Gothic"/>
                 <a:sym typeface="Nanum Gothic"/>
               </a:rPr>
-              <a:t>Of America knows ASL</a:t>
+              <a:t>Of America know ASL</a:t>
             </a:r>
           </a:p>
         </p:txBody>

--- a/ppt/presentation.pptx
+++ b/ppt/presentation.pptx
@@ -45359,8 +45359,8 @@
               <a:buNone/>
             </a:pPr>
             <a:r>
-              <a:rPr lang="en" dirty="0"/>
-              <a:t>Company Profile</a:t>
+              <a:rPr lang="en-AU" dirty="0"/>
+              <a:t>Smart Sign</a:t>
             </a:r>
             <a:endParaRPr dirty="0"/>
           </a:p>
@@ -47101,7 +47101,7 @@
             </a:pPr>
             <a:r>
               <a:rPr lang="en-AU" dirty="0"/>
-              <a:t>-- name here --</a:t>
+              <a:t>Smart - Sign</a:t>
             </a:r>
             <a:endParaRPr dirty="0"/>
           </a:p>
